--- a/Material/Для выступления/выступление.pptx
+++ b/Material/Для выступления/выступление.pptx
@@ -7,12 +7,11 @@
   <p:sldIdLst>
     <p:sldId id="256" r:id="rId2"/>
     <p:sldId id="257" r:id="rId3"/>
-    <p:sldId id="261" r:id="rId4"/>
-    <p:sldId id="258" r:id="rId5"/>
+    <p:sldId id="258" r:id="rId4"/>
+    <p:sldId id="263" r:id="rId5"/>
     <p:sldId id="262" r:id="rId6"/>
-    <p:sldId id="263" r:id="rId7"/>
-    <p:sldId id="260" r:id="rId8"/>
-    <p:sldId id="259" r:id="rId9"/>
+    <p:sldId id="260" r:id="rId7"/>
+    <p:sldId id="259" r:id="rId8"/>
   </p:sldIdLst>
   <p:sldSz cx="12192000" cy="6858000"/>
   <p:notesSz cx="6858000" cy="9144000"/>
@@ -841,7 +840,7 @@
           <a:p>
             <a:fld id="{6033F8EE-0843-4213-8C8B-EF9333213A6C}" type="datetimeFigureOut">
               <a:rPr lang="ru-RU" smtClean="0"/>
-              <a:t>20.12.2022</a:t>
+              <a:t>26.12.2022</a:t>
             </a:fld>
             <a:endParaRPr lang="ru-RU"/>
           </a:p>
@@ -1092,7 +1091,7 @@
           <a:p>
             <a:fld id="{6033F8EE-0843-4213-8C8B-EF9333213A6C}" type="datetimeFigureOut">
               <a:rPr lang="ru-RU" smtClean="0"/>
-              <a:t>20.12.2022</a:t>
+              <a:t>26.12.2022</a:t>
             </a:fld>
             <a:endParaRPr lang="ru-RU"/>
           </a:p>
@@ -1406,7 +1405,7 @@
           <a:p>
             <a:fld id="{6033F8EE-0843-4213-8C8B-EF9333213A6C}" type="datetimeFigureOut">
               <a:rPr lang="ru-RU" smtClean="0"/>
-              <a:t>20.12.2022</a:t>
+              <a:t>26.12.2022</a:t>
             </a:fld>
             <a:endParaRPr lang="ru-RU"/>
           </a:p>
@@ -1747,7 +1746,7 @@
           <a:p>
             <a:fld id="{6033F8EE-0843-4213-8C8B-EF9333213A6C}" type="datetimeFigureOut">
               <a:rPr lang="ru-RU" smtClean="0"/>
-              <a:t>20.12.2022</a:t>
+              <a:t>26.12.2022</a:t>
             </a:fld>
             <a:endParaRPr lang="ru-RU"/>
           </a:p>
@@ -2061,7 +2060,7 @@
           <a:p>
             <a:fld id="{6033F8EE-0843-4213-8C8B-EF9333213A6C}" type="datetimeFigureOut">
               <a:rPr lang="ru-RU" smtClean="0"/>
-              <a:t>20.12.2022</a:t>
+              <a:t>26.12.2022</a:t>
             </a:fld>
             <a:endParaRPr lang="ru-RU"/>
           </a:p>
@@ -2454,7 +2453,7 @@
           <a:p>
             <a:fld id="{6033F8EE-0843-4213-8C8B-EF9333213A6C}" type="datetimeFigureOut">
               <a:rPr lang="ru-RU" smtClean="0"/>
-              <a:t>20.12.2022</a:t>
+              <a:t>26.12.2022</a:t>
             </a:fld>
             <a:endParaRPr lang="ru-RU"/>
           </a:p>
@@ -2624,7 +2623,7 @@
           <a:p>
             <a:fld id="{6033F8EE-0843-4213-8C8B-EF9333213A6C}" type="datetimeFigureOut">
               <a:rPr lang="ru-RU" smtClean="0"/>
-              <a:t>20.12.2022</a:t>
+              <a:t>26.12.2022</a:t>
             </a:fld>
             <a:endParaRPr lang="ru-RU"/>
           </a:p>
@@ -2804,7 +2803,7 @@
           <a:p>
             <a:fld id="{6033F8EE-0843-4213-8C8B-EF9333213A6C}" type="datetimeFigureOut">
               <a:rPr lang="ru-RU" smtClean="0"/>
-              <a:t>20.12.2022</a:t>
+              <a:t>26.12.2022</a:t>
             </a:fld>
             <a:endParaRPr lang="ru-RU"/>
           </a:p>
@@ -2980,7 +2979,7 @@
           <a:p>
             <a:fld id="{6033F8EE-0843-4213-8C8B-EF9333213A6C}" type="datetimeFigureOut">
               <a:rPr lang="ru-RU" smtClean="0"/>
-              <a:t>20.12.2022</a:t>
+              <a:t>26.12.2022</a:t>
             </a:fld>
             <a:endParaRPr lang="ru-RU"/>
           </a:p>
@@ -3227,7 +3226,7 @@
           <a:p>
             <a:fld id="{6033F8EE-0843-4213-8C8B-EF9333213A6C}" type="datetimeFigureOut">
               <a:rPr lang="ru-RU" smtClean="0"/>
-              <a:t>20.12.2022</a:t>
+              <a:t>26.12.2022</a:t>
             </a:fld>
             <a:endParaRPr lang="ru-RU"/>
           </a:p>
@@ -3459,7 +3458,7 @@
           <a:p>
             <a:fld id="{6033F8EE-0843-4213-8C8B-EF9333213A6C}" type="datetimeFigureOut">
               <a:rPr lang="ru-RU" smtClean="0"/>
-              <a:t>20.12.2022</a:t>
+              <a:t>26.12.2022</a:t>
             </a:fld>
             <a:endParaRPr lang="ru-RU"/>
           </a:p>
@@ -3833,7 +3832,7 @@
           <a:p>
             <a:fld id="{6033F8EE-0843-4213-8C8B-EF9333213A6C}" type="datetimeFigureOut">
               <a:rPr lang="ru-RU" smtClean="0"/>
-              <a:t>20.12.2022</a:t>
+              <a:t>26.12.2022</a:t>
             </a:fld>
             <a:endParaRPr lang="ru-RU"/>
           </a:p>
@@ -3956,7 +3955,7 @@
           <a:p>
             <a:fld id="{6033F8EE-0843-4213-8C8B-EF9333213A6C}" type="datetimeFigureOut">
               <a:rPr lang="ru-RU" smtClean="0"/>
-              <a:t>20.12.2022</a:t>
+              <a:t>26.12.2022</a:t>
             </a:fld>
             <a:endParaRPr lang="ru-RU"/>
           </a:p>
@@ -4051,7 +4050,7 @@
           <a:p>
             <a:fld id="{6033F8EE-0843-4213-8C8B-EF9333213A6C}" type="datetimeFigureOut">
               <a:rPr lang="ru-RU" smtClean="0"/>
-              <a:t>20.12.2022</a:t>
+              <a:t>26.12.2022</a:t>
             </a:fld>
             <a:endParaRPr lang="ru-RU"/>
           </a:p>
@@ -4306,7 +4305,7 @@
           <a:p>
             <a:fld id="{6033F8EE-0843-4213-8C8B-EF9333213A6C}" type="datetimeFigureOut">
               <a:rPr lang="ru-RU" smtClean="0"/>
-              <a:t>20.12.2022</a:t>
+              <a:t>26.12.2022</a:t>
             </a:fld>
             <a:endParaRPr lang="ru-RU"/>
           </a:p>
@@ -4569,7 +4568,7 @@
           <a:p>
             <a:fld id="{6033F8EE-0843-4213-8C8B-EF9333213A6C}" type="datetimeFigureOut">
               <a:rPr lang="ru-RU" smtClean="0"/>
-              <a:t>20.12.2022</a:t>
+              <a:t>26.12.2022</a:t>
             </a:fld>
             <a:endParaRPr lang="ru-RU"/>
           </a:p>
@@ -5312,7 +5311,7 @@
           <a:p>
             <a:fld id="{6033F8EE-0843-4213-8C8B-EF9333213A6C}" type="datetimeFigureOut">
               <a:rPr lang="ru-RU" smtClean="0"/>
-              <a:t>20.12.2022</a:t>
+              <a:t>26.12.2022</a:t>
             </a:fld>
             <a:endParaRPr lang="ru-RU"/>
           </a:p>
@@ -6008,16 +6007,18 @@
             <p:ph idx="1"/>
           </p:nvPr>
         </p:nvSpPr>
-        <p:spPr/>
+        <p:spPr>
+          <a:xfrm>
+            <a:off x="677334" y="2160589"/>
+            <a:ext cx="8596668" cy="3880773"/>
+          </a:xfrm>
+        </p:spPr>
         <p:txBody>
           <a:bodyPr>
             <a:normAutofit/>
           </a:bodyPr>
           <a:lstStyle/>
           <a:p>
-            <a:pPr>
-              <a:buClrTx/>
-            </a:pPr>
             <a:r>
               <a:rPr lang="ru-RU" sz="2800" dirty="0">
                 <a:solidFill>
@@ -6028,9 +6029,6 @@
             </a:r>
           </a:p>
           <a:p>
-            <a:pPr>
-              <a:buClrTx/>
-            </a:pPr>
             <a:r>
               <a:rPr lang="ru-RU" sz="2800" dirty="0">
                 <a:solidFill>
@@ -6041,22 +6039,16 @@
             </a:r>
           </a:p>
           <a:p>
-            <a:pPr>
-              <a:buClrTx/>
-            </a:pPr>
             <a:r>
               <a:rPr lang="ru-RU" sz="2800" dirty="0">
                 <a:solidFill>
                   <a:schemeClr val="tx1"/>
                 </a:solidFill>
               </a:rPr>
-              <a:t>Написать понятный программный код</a:t>
-            </a:r>
-          </a:p>
-          <a:p>
-            <a:pPr>
-              <a:buClrTx/>
-            </a:pPr>
+              <a:t>Разработать интуитивно-понятный интерфейс</a:t>
+            </a:r>
+          </a:p>
+          <a:p>
             <a:r>
               <a:rPr lang="ru-RU" sz="2800" dirty="0">
                 <a:solidFill>
@@ -6067,16 +6059,13 @@
             </a:r>
           </a:p>
           <a:p>
-            <a:pPr>
-              <a:buClrTx/>
-            </a:pPr>
             <a:r>
               <a:rPr lang="ru-RU" sz="2800" dirty="0">
                 <a:solidFill>
                   <a:schemeClr val="tx1"/>
                 </a:solidFill>
               </a:rPr>
-              <a:t>Составить инструкцию по эксплуатации</a:t>
+              <a:t>Составить документацию приложения</a:t>
             </a:r>
           </a:p>
         </p:txBody>
@@ -6116,128 +6105,6 @@
           <p:cNvPr id="2" name="Заголовок 1">
             <a:extLst>
               <a:ext uri="{FF2B5EF4-FFF2-40B4-BE49-F238E27FC236}">
-                <a16:creationId xmlns:a16="http://schemas.microsoft.com/office/drawing/2014/main" id="{8D1885B5-FC44-4DEB-A9F2-D57ED1442BCA}"/>
-              </a:ext>
-            </a:extLst>
-          </p:cNvPr>
-          <p:cNvSpPr>
-            <a:spLocks noGrp="1"/>
-          </p:cNvSpPr>
-          <p:nvPr>
-            <p:ph type="title"/>
-          </p:nvPr>
-        </p:nvSpPr>
-        <p:spPr>
-          <a:xfrm>
-            <a:off x="489042" y="156238"/>
-            <a:ext cx="8596668" cy="1320800"/>
-          </a:xfrm>
-        </p:spPr>
-        <p:txBody>
-          <a:bodyPr>
-            <a:normAutofit fontScale="90000"/>
-          </a:bodyPr>
-          <a:lstStyle/>
-          <a:p>
-            <a:r>
-              <a:rPr lang="ru-RU" sz="5400" dirty="0">
-                <a:solidFill>
-                  <a:schemeClr val="tx1"/>
-                </a:solidFill>
-              </a:rPr>
-              <a:t>Заключительный этап нормализации</a:t>
-            </a:r>
-          </a:p>
-        </p:txBody>
-      </p:sp>
-      <p:sp>
-        <p:nvSpPr>
-          <p:cNvPr id="4" name="Объект 3">
-            <a:extLst>
-              <a:ext uri="{FF2B5EF4-FFF2-40B4-BE49-F238E27FC236}">
-                <a16:creationId xmlns:a16="http://schemas.microsoft.com/office/drawing/2014/main" id="{8586A698-0858-4A70-A015-8D564752FCCF}"/>
-              </a:ext>
-            </a:extLst>
-          </p:cNvPr>
-          <p:cNvSpPr>
-            <a:spLocks noGrp="1"/>
-          </p:cNvSpPr>
-          <p:nvPr>
-            <p:ph idx="1"/>
-          </p:nvPr>
-        </p:nvSpPr>
-        <p:spPr/>
-        <p:txBody>
-          <a:bodyPr/>
-          <a:lstStyle/>
-          <a:p>
-            <a:endParaRPr lang="ru-RU" dirty="0"/>
-          </a:p>
-        </p:txBody>
-      </p:sp>
-      <p:pic>
-        <p:nvPicPr>
-          <p:cNvPr id="6" name="Рисунок 5">
-            <a:extLst>
-              <a:ext uri="{FF2B5EF4-FFF2-40B4-BE49-F238E27FC236}">
-                <a16:creationId xmlns:a16="http://schemas.microsoft.com/office/drawing/2014/main" id="{2BBFA116-F9A6-4C41-99F0-453070063F59}"/>
-              </a:ext>
-            </a:extLst>
-          </p:cNvPr>
-          <p:cNvPicPr/>
-          <p:nvPr/>
-        </p:nvPicPr>
-        <p:blipFill>
-          <a:blip r:embed="rId2"/>
-          <a:stretch>
-            <a:fillRect/>
-          </a:stretch>
-        </p:blipFill>
-        <p:spPr>
-          <a:xfrm>
-            <a:off x="1228612" y="1666875"/>
-            <a:ext cx="7117529" cy="4922249"/>
-          </a:xfrm>
-          <a:prstGeom prst="rect">
-            <a:avLst/>
-          </a:prstGeom>
-        </p:spPr>
-      </p:pic>
-    </p:spTree>
-    <p:extLst>
-      <p:ext uri="{BB962C8B-B14F-4D97-AF65-F5344CB8AC3E}">
-        <p14:creationId xmlns:p14="http://schemas.microsoft.com/office/powerpoint/2010/main" val="2118262163"/>
-      </p:ext>
-    </p:extLst>
-  </p:cSld>
-  <p:clrMapOvr>
-    <a:masterClrMapping/>
-  </p:clrMapOvr>
-</p:sld>
-</file>
-
-<file path=ppt/slides/slide4.xml><?xml version="1.0" encoding="utf-8"?>
-<p:sld xmlns:a="http://schemas.openxmlformats.org/drawingml/2006/main" xmlns:r="http://schemas.openxmlformats.org/officeDocument/2006/relationships" xmlns:p="http://schemas.openxmlformats.org/presentationml/2006/main">
-  <p:cSld>
-    <p:spTree>
-      <p:nvGrpSpPr>
-        <p:cNvPr id="1" name=""/>
-        <p:cNvGrpSpPr/>
-        <p:nvPr/>
-      </p:nvGrpSpPr>
-      <p:grpSpPr>
-        <a:xfrm>
-          <a:off x="0" y="0"/>
-          <a:ext cx="0" cy="0"/>
-          <a:chOff x="0" y="0"/>
-          <a:chExt cx="0" cy="0"/>
-        </a:xfrm>
-      </p:grpSpPr>
-      <p:sp>
-        <p:nvSpPr>
-          <p:cNvPr id="2" name="Заголовок 1">
-            <a:extLst>
-              <a:ext uri="{FF2B5EF4-FFF2-40B4-BE49-F238E27FC236}">
                 <a16:creationId xmlns:a16="http://schemas.microsoft.com/office/drawing/2014/main" id="{32ECEC06-7386-4AFE-AB0B-DDB99DC4557A}"/>
               </a:ext>
             </a:extLst>
@@ -6251,8 +6118,8 @@
         </p:nvSpPr>
         <p:spPr>
           <a:xfrm>
-            <a:off x="677334" y="124516"/>
-            <a:ext cx="8596668" cy="1200727"/>
+            <a:off x="433052" y="124516"/>
+            <a:ext cx="9085231" cy="1200727"/>
           </a:xfrm>
         </p:spPr>
         <p:txBody>
@@ -6293,7 +6160,7 @@
           <a:bodyPr/>
           <a:lstStyle/>
           <a:p>
-            <a:endParaRPr lang="ru-RU"/>
+            <a:endParaRPr lang="ru-RU" dirty="0"/>
           </a:p>
         </p:txBody>
       </p:sp>
@@ -6338,111 +6205,7 @@
 </p:sld>
 </file>
 
-<file path=ppt/slides/slide5.xml><?xml version="1.0" encoding="utf-8"?>
-<p:sld xmlns:a="http://schemas.openxmlformats.org/drawingml/2006/main" xmlns:r="http://schemas.openxmlformats.org/officeDocument/2006/relationships" xmlns:p="http://schemas.openxmlformats.org/presentationml/2006/main">
-  <p:cSld>
-    <p:spTree>
-      <p:nvGrpSpPr>
-        <p:cNvPr id="1" name=""/>
-        <p:cNvGrpSpPr/>
-        <p:nvPr/>
-      </p:nvGrpSpPr>
-      <p:grpSpPr>
-        <a:xfrm>
-          <a:off x="0" y="0"/>
-          <a:ext cx="0" cy="0"/>
-          <a:chOff x="0" y="0"/>
-          <a:chExt cx="0" cy="0"/>
-        </a:xfrm>
-      </p:grpSpPr>
-      <p:sp>
-        <p:nvSpPr>
-          <p:cNvPr id="2" name="Заголовок 1">
-            <a:extLst>
-              <a:ext uri="{FF2B5EF4-FFF2-40B4-BE49-F238E27FC236}">
-                <a16:creationId xmlns:a16="http://schemas.microsoft.com/office/drawing/2014/main" id="{8D1885B5-FC44-4DEB-A9F2-D57ED1442BCA}"/>
-              </a:ext>
-            </a:extLst>
-          </p:cNvPr>
-          <p:cNvSpPr>
-            <a:spLocks noGrp="1"/>
-          </p:cNvSpPr>
-          <p:nvPr>
-            <p:ph type="title"/>
-          </p:nvPr>
-        </p:nvSpPr>
-        <p:spPr>
-          <a:xfrm>
-            <a:off x="677334" y="11721"/>
-            <a:ext cx="8596668" cy="1320800"/>
-          </a:xfrm>
-        </p:spPr>
-        <p:txBody>
-          <a:bodyPr>
-            <a:normAutofit/>
-          </a:bodyPr>
-          <a:lstStyle/>
-          <a:p>
-            <a:r>
-              <a:rPr lang="ru-RU" sz="5400" dirty="0">
-                <a:solidFill>
-                  <a:schemeClr val="tx1"/>
-                </a:solidFill>
-              </a:rPr>
-              <a:t>Алгоритм метода загрузки</a:t>
-            </a:r>
-          </a:p>
-        </p:txBody>
-      </p:sp>
-      <p:pic>
-        <p:nvPicPr>
-          <p:cNvPr id="5" name="Объект 4">
-            <a:extLst>
-              <a:ext uri="{FF2B5EF4-FFF2-40B4-BE49-F238E27FC236}">
-                <a16:creationId xmlns:a16="http://schemas.microsoft.com/office/drawing/2014/main" id="{A3DFE9D3-4E0C-4C4C-918D-FB2CB9FAF0FC}"/>
-              </a:ext>
-            </a:extLst>
-          </p:cNvPr>
-          <p:cNvPicPr>
-            <a:picLocks noGrp="1" noChangeAspect="1"/>
-          </p:cNvPicPr>
-          <p:nvPr>
-            <p:ph idx="1"/>
-          </p:nvPr>
-        </p:nvPicPr>
-        <p:blipFill>
-          <a:blip r:embed="rId2">
-            <a:extLst>
-              <a:ext uri="{28A0092B-C50C-407E-A947-70E740481C1C}">
-                <a14:useLocalDpi xmlns:a14="http://schemas.microsoft.com/office/drawing/2010/main" val="0"/>
-              </a:ext>
-            </a:extLst>
-          </a:blip>
-          <a:stretch>
-            <a:fillRect/>
-          </a:stretch>
-        </p:blipFill>
-        <p:spPr>
-          <a:xfrm>
-            <a:off x="3763107" y="949116"/>
-            <a:ext cx="2708031" cy="5656244"/>
-          </a:xfrm>
-        </p:spPr>
-      </p:pic>
-    </p:spTree>
-    <p:extLst>
-      <p:ext uri="{BB962C8B-B14F-4D97-AF65-F5344CB8AC3E}">
-        <p14:creationId xmlns:p14="http://schemas.microsoft.com/office/powerpoint/2010/main" val="3682546755"/>
-      </p:ext>
-    </p:extLst>
-  </p:cSld>
-  <p:clrMapOvr>
-    <a:masterClrMapping/>
-  </p:clrMapOvr>
-</p:sld>
-</file>
-
-<file path=ppt/slides/slide6.xml><?xml version="1.0" encoding="utf-8"?>
+<file path=ppt/slides/slide4.xml><?xml version="1.0" encoding="utf-8"?>
 <p:sld xmlns:a="http://schemas.openxmlformats.org/drawingml/2006/main" xmlns:r="http://schemas.openxmlformats.org/officeDocument/2006/relationships" xmlns:p="http://schemas.openxmlformats.org/presentationml/2006/main">
   <p:cSld>
     <p:spTree>
@@ -6564,7 +6327,7 @@
 </p:sld>
 </file>
 
-<file path=ppt/slides/slide7.xml><?xml version="1.0" encoding="utf-8"?>
+<file path=ppt/slides/slide5.xml><?xml version="1.0" encoding="utf-8"?>
 <p:sld xmlns:a="http://schemas.openxmlformats.org/drawingml/2006/main" xmlns:r="http://schemas.openxmlformats.org/officeDocument/2006/relationships" xmlns:p="http://schemas.openxmlformats.org/presentationml/2006/main">
   <p:cSld>
     <p:spTree>
@@ -6586,6 +6349,128 @@
           <p:cNvPr id="2" name="Заголовок 1">
             <a:extLst>
               <a:ext uri="{FF2B5EF4-FFF2-40B4-BE49-F238E27FC236}">
+                <a16:creationId xmlns:a16="http://schemas.microsoft.com/office/drawing/2014/main" id="{8D1885B5-FC44-4DEB-A9F2-D57ED1442BCA}"/>
+              </a:ext>
+            </a:extLst>
+          </p:cNvPr>
+          <p:cNvSpPr>
+            <a:spLocks noGrp="1"/>
+          </p:cNvSpPr>
+          <p:nvPr>
+            <p:ph type="title"/>
+          </p:nvPr>
+        </p:nvSpPr>
+        <p:spPr>
+          <a:xfrm>
+            <a:off x="170329" y="210906"/>
+            <a:ext cx="9439835" cy="1476420"/>
+          </a:xfrm>
+        </p:spPr>
+        <p:txBody>
+          <a:bodyPr>
+            <a:normAutofit fontScale="90000"/>
+          </a:bodyPr>
+          <a:lstStyle/>
+          <a:p>
+            <a:r>
+              <a:rPr lang="ru-RU" sz="5400" dirty="0">
+                <a:solidFill>
+                  <a:schemeClr val="tx1"/>
+                </a:solidFill>
+              </a:rPr>
+              <a:t>Алгоритм добавления транзакции</a:t>
+            </a:r>
+          </a:p>
+        </p:txBody>
+      </p:sp>
+      <p:sp>
+        <p:nvSpPr>
+          <p:cNvPr id="4" name="Объект 3">
+            <a:extLst>
+              <a:ext uri="{FF2B5EF4-FFF2-40B4-BE49-F238E27FC236}">
+                <a16:creationId xmlns:a16="http://schemas.microsoft.com/office/drawing/2014/main" id="{EF5960E7-A104-44F7-8A36-51791FC9227D}"/>
+              </a:ext>
+            </a:extLst>
+          </p:cNvPr>
+          <p:cNvSpPr>
+            <a:spLocks noGrp="1"/>
+          </p:cNvSpPr>
+          <p:nvPr>
+            <p:ph idx="1"/>
+          </p:nvPr>
+        </p:nvSpPr>
+        <p:spPr/>
+        <p:txBody>
+          <a:bodyPr/>
+          <a:lstStyle/>
+          <a:p>
+            <a:endParaRPr lang="ru-RU" dirty="0"/>
+          </a:p>
+        </p:txBody>
+      </p:sp>
+      <p:pic>
+        <p:nvPicPr>
+          <p:cNvPr id="6" name="Рисунок 5">
+            <a:extLst>
+              <a:ext uri="{FF2B5EF4-FFF2-40B4-BE49-F238E27FC236}">
+                <a16:creationId xmlns:a16="http://schemas.microsoft.com/office/drawing/2014/main" id="{EC380D38-1C0C-4E2E-851A-F0799FDF3040}"/>
+              </a:ext>
+            </a:extLst>
+          </p:cNvPr>
+          <p:cNvPicPr/>
+          <p:nvPr/>
+        </p:nvPicPr>
+        <p:blipFill>
+          <a:blip r:embed="rId2"/>
+          <a:stretch>
+            <a:fillRect/>
+          </a:stretch>
+        </p:blipFill>
+        <p:spPr>
+          <a:xfrm>
+            <a:off x="3624231" y="977153"/>
+            <a:ext cx="2803463" cy="5880847"/>
+          </a:xfrm>
+          <a:prstGeom prst="rect">
+            <a:avLst/>
+          </a:prstGeom>
+        </p:spPr>
+      </p:pic>
+    </p:spTree>
+    <p:extLst>
+      <p:ext uri="{BB962C8B-B14F-4D97-AF65-F5344CB8AC3E}">
+        <p14:creationId xmlns:p14="http://schemas.microsoft.com/office/powerpoint/2010/main" val="3682546755"/>
+      </p:ext>
+    </p:extLst>
+  </p:cSld>
+  <p:clrMapOvr>
+    <a:masterClrMapping/>
+  </p:clrMapOvr>
+</p:sld>
+</file>
+
+<file path=ppt/slides/slide6.xml><?xml version="1.0" encoding="utf-8"?>
+<p:sld xmlns:a="http://schemas.openxmlformats.org/drawingml/2006/main" xmlns:r="http://schemas.openxmlformats.org/officeDocument/2006/relationships" xmlns:p="http://schemas.openxmlformats.org/presentationml/2006/main">
+  <p:cSld>
+    <p:spTree>
+      <p:nvGrpSpPr>
+        <p:cNvPr id="1" name=""/>
+        <p:cNvGrpSpPr/>
+        <p:nvPr/>
+      </p:nvGrpSpPr>
+      <p:grpSpPr>
+        <a:xfrm>
+          <a:off x="0" y="0"/>
+          <a:ext cx="0" cy="0"/>
+          <a:chOff x="0" y="0"/>
+          <a:chExt cx="0" cy="0"/>
+        </a:xfrm>
+      </p:grpSpPr>
+      <p:sp>
+        <p:nvSpPr>
+          <p:cNvPr id="2" name="Заголовок 1">
+            <a:extLst>
+              <a:ext uri="{FF2B5EF4-FFF2-40B4-BE49-F238E27FC236}">
                 <a16:creationId xmlns:a16="http://schemas.microsoft.com/office/drawing/2014/main" id="{EB1F02EB-084B-48EB-9F56-651014E4AFAF}"/>
               </a:ext>
             </a:extLst>
@@ -6651,11 +6536,6 @@
             </a:r>
           </a:p>
           <a:p>
-            <a:pPr>
-              <a:buClr>
-                <a:schemeClr val="tx1"/>
-              </a:buClr>
-            </a:pPr>
             <a:r>
               <a:rPr lang="ru-RU" sz="2800" dirty="0">
                 <a:solidFill>
@@ -6666,11 +6546,6 @@
             </a:r>
           </a:p>
           <a:p>
-            <a:pPr>
-              <a:buClr>
-                <a:schemeClr val="tx1"/>
-              </a:buClr>
-            </a:pPr>
             <a:r>
               <a:rPr lang="ru-RU" sz="2800" dirty="0">
                 <a:solidFill>
@@ -6679,6 +6554,18 @@
               </a:rPr>
               <a:t>Добавление электронной кассы</a:t>
             </a:r>
+          </a:p>
+          <a:p>
+            <a:r>
+              <a:rPr lang="ru-RU" sz="2800" dirty="0">
+                <a:solidFill>
+                  <a:schemeClr val="tx1"/>
+                </a:solidFill>
+              </a:rPr>
+              <a:t>Добавление нескольких фотографий</a:t>
+            </a:r>
+          </a:p>
+          <a:p>
             <a:endParaRPr lang="en-US" sz="2800" dirty="0">
               <a:solidFill>
                 <a:schemeClr val="tx1"/>
@@ -6712,7 +6599,7 @@
 </p:sld>
 </file>
 
-<file path=ppt/slides/slide8.xml><?xml version="1.0" encoding="utf-8"?>
+<file path=ppt/slides/slide7.xml><?xml version="1.0" encoding="utf-8"?>
 <p:sld xmlns:a="http://schemas.openxmlformats.org/drawingml/2006/main" xmlns:r="http://schemas.openxmlformats.org/officeDocument/2006/relationships" xmlns:p="http://schemas.openxmlformats.org/presentationml/2006/main">
   <p:cSld>
     <p:spTree>
